--- a/diploma/Skillfactory.pptx
+++ b/diploma/Skillfactory.pptx
@@ -294,7 +294,7 @@
           <a:p>
             <a:fld id="{883D8BF1-355E-4965-8F44-12D01328A702}" type="datetimeFigureOut">
               <a:rPr lang="ru-RU" smtClean="0"/>
-              <a:t>04.04.2022</a:t>
+              <a:t>07.04.2022</a:t>
             </a:fld>
             <a:endParaRPr lang="ru-RU"/>
           </a:p>
@@ -494,7 +494,7 @@
           <a:p>
             <a:fld id="{883D8BF1-355E-4965-8F44-12D01328A702}" type="datetimeFigureOut">
               <a:rPr lang="ru-RU" smtClean="0"/>
-              <a:t>04.04.2022</a:t>
+              <a:t>07.04.2022</a:t>
             </a:fld>
             <a:endParaRPr lang="ru-RU"/>
           </a:p>
@@ -704,7 +704,7 @@
           <a:p>
             <a:fld id="{883D8BF1-355E-4965-8F44-12D01328A702}" type="datetimeFigureOut">
               <a:rPr lang="ru-RU" smtClean="0"/>
-              <a:t>04.04.2022</a:t>
+              <a:t>07.04.2022</a:t>
             </a:fld>
             <a:endParaRPr lang="ru-RU"/>
           </a:p>
@@ -904,7 +904,7 @@
           <a:p>
             <a:fld id="{883D8BF1-355E-4965-8F44-12D01328A702}" type="datetimeFigureOut">
               <a:rPr lang="ru-RU" smtClean="0"/>
-              <a:t>04.04.2022</a:t>
+              <a:t>07.04.2022</a:t>
             </a:fld>
             <a:endParaRPr lang="ru-RU"/>
           </a:p>
@@ -1180,7 +1180,7 @@
           <a:p>
             <a:fld id="{883D8BF1-355E-4965-8F44-12D01328A702}" type="datetimeFigureOut">
               <a:rPr lang="ru-RU" smtClean="0"/>
-              <a:t>04.04.2022</a:t>
+              <a:t>07.04.2022</a:t>
             </a:fld>
             <a:endParaRPr lang="ru-RU"/>
           </a:p>
@@ -1448,7 +1448,7 @@
           <a:p>
             <a:fld id="{883D8BF1-355E-4965-8F44-12D01328A702}" type="datetimeFigureOut">
               <a:rPr lang="ru-RU" smtClean="0"/>
-              <a:t>04.04.2022</a:t>
+              <a:t>07.04.2022</a:t>
             </a:fld>
             <a:endParaRPr lang="ru-RU"/>
           </a:p>
@@ -1863,7 +1863,7 @@
           <a:p>
             <a:fld id="{883D8BF1-355E-4965-8F44-12D01328A702}" type="datetimeFigureOut">
               <a:rPr lang="ru-RU" smtClean="0"/>
-              <a:t>04.04.2022</a:t>
+              <a:t>07.04.2022</a:t>
             </a:fld>
             <a:endParaRPr lang="ru-RU"/>
           </a:p>
@@ -2005,7 +2005,7 @@
           <a:p>
             <a:fld id="{883D8BF1-355E-4965-8F44-12D01328A702}" type="datetimeFigureOut">
               <a:rPr lang="ru-RU" smtClean="0"/>
-              <a:t>04.04.2022</a:t>
+              <a:t>07.04.2022</a:t>
             </a:fld>
             <a:endParaRPr lang="ru-RU"/>
           </a:p>
@@ -2118,7 +2118,7 @@
           <a:p>
             <a:fld id="{883D8BF1-355E-4965-8F44-12D01328A702}" type="datetimeFigureOut">
               <a:rPr lang="ru-RU" smtClean="0"/>
-              <a:t>04.04.2022</a:t>
+              <a:t>07.04.2022</a:t>
             </a:fld>
             <a:endParaRPr lang="ru-RU"/>
           </a:p>
@@ -2431,7 +2431,7 @@
           <a:p>
             <a:fld id="{883D8BF1-355E-4965-8F44-12D01328A702}" type="datetimeFigureOut">
               <a:rPr lang="ru-RU" smtClean="0"/>
-              <a:t>04.04.2022</a:t>
+              <a:t>07.04.2022</a:t>
             </a:fld>
             <a:endParaRPr lang="ru-RU"/>
           </a:p>
@@ -2720,7 +2720,7 @@
           <a:p>
             <a:fld id="{883D8BF1-355E-4965-8F44-12D01328A702}" type="datetimeFigureOut">
               <a:rPr lang="ru-RU" smtClean="0"/>
-              <a:t>04.04.2022</a:t>
+              <a:t>07.04.2022</a:t>
             </a:fld>
             <a:endParaRPr lang="ru-RU"/>
           </a:p>
@@ -2963,7 +2963,7 @@
           <a:p>
             <a:fld id="{883D8BF1-355E-4965-8F44-12D01328A702}" type="datetimeFigureOut">
               <a:rPr lang="ru-RU" smtClean="0"/>
-              <a:t>04.04.2022</a:t>
+              <a:t>07.04.2022</a:t>
             </a:fld>
             <a:endParaRPr lang="ru-RU"/>
           </a:p>
@@ -6200,10 +6200,10 @@
       </p:pic>
       <p:pic>
         <p:nvPicPr>
-          <p:cNvPr id="8" name="Picture 7">
-            <a:extLst>
-              <a:ext uri="{FF2B5EF4-FFF2-40B4-BE49-F238E27FC236}">
-                <a16:creationId xmlns:a16="http://schemas.microsoft.com/office/drawing/2014/main" id="{0791BB79-A454-440D-8B70-67CC0EF9651D}"/>
+          <p:cNvPr id="3" name="Рисунок 2">
+            <a:extLst>
+              <a:ext uri="{FF2B5EF4-FFF2-40B4-BE49-F238E27FC236}">
+                <a16:creationId xmlns:a16="http://schemas.microsoft.com/office/drawing/2014/main" id="{7E326A91-344F-42BD-9E25-8E3FC5A969A2}"/>
               </a:ext>
             </a:extLst>
           </p:cNvPr>
@@ -6220,12 +6220,42 @@
         </p:blipFill>
         <p:spPr>
           <a:xfrm>
-            <a:off x="1127125" y="3622304"/>
-            <a:ext cx="6121170" cy="2253486"/>
+            <a:off x="1163638" y="3265127"/>
+            <a:ext cx="7410450" cy="2581275"/>
           </a:xfrm>
           <a:prstGeom prst="rect">
             <a:avLst/>
           </a:prstGeom>
+          <a:solidFill>
+            <a:srgbClr val="FFFFFF">
+              <a:shade val="85000"/>
+            </a:srgbClr>
+          </a:solidFill>
+          <a:ln w="88900" cap="sq">
+            <a:solidFill>
+              <a:srgbClr val="FFFFFF"/>
+            </a:solidFill>
+            <a:miter lim="800000"/>
+          </a:ln>
+          <a:effectLst>
+            <a:outerShdw blurRad="55000" dist="18000" dir="5400000" algn="tl" rotWithShape="0">
+              <a:srgbClr val="000000">
+                <a:alpha val="40000"/>
+              </a:srgbClr>
+            </a:outerShdw>
+          </a:effectLst>
+          <a:scene3d>
+            <a:camera prst="orthographicFront"/>
+            <a:lightRig rig="twoPt" dir="t">
+              <a:rot lat="0" lon="0" rev="7200000"/>
+            </a:lightRig>
+          </a:scene3d>
+          <a:sp3d>
+            <a:bevelT w="25400" h="19050"/>
+            <a:contourClr>
+              <a:srgbClr val="FFFFFF"/>
+            </a:contourClr>
+          </a:sp3d>
         </p:spPr>
       </p:pic>
     </p:spTree>
@@ -6515,10 +6545,10 @@
       </p:pic>
       <p:pic>
         <p:nvPicPr>
-          <p:cNvPr id="3" name="Picture 2">
-            <a:extLst>
-              <a:ext uri="{FF2B5EF4-FFF2-40B4-BE49-F238E27FC236}">
-                <a16:creationId xmlns:a16="http://schemas.microsoft.com/office/drawing/2014/main" id="{BA45DF30-AED8-4B5F-AAA8-72A8F91A78C1}"/>
+          <p:cNvPr id="6" name="Рисунок 5">
+            <a:extLst>
+              <a:ext uri="{FF2B5EF4-FFF2-40B4-BE49-F238E27FC236}">
+                <a16:creationId xmlns:a16="http://schemas.microsoft.com/office/drawing/2014/main" id="{B65FD130-15A9-450F-8974-1618262807F4}"/>
               </a:ext>
             </a:extLst>
           </p:cNvPr>
@@ -6535,12 +6565,42 @@
         </p:blipFill>
         <p:spPr>
           <a:xfrm>
-            <a:off x="1079339" y="2392326"/>
-            <a:ext cx="7734637" cy="2887867"/>
+            <a:off x="1080840" y="2497173"/>
+            <a:ext cx="7419975" cy="2590800"/>
           </a:xfrm>
           <a:prstGeom prst="rect">
             <a:avLst/>
           </a:prstGeom>
+          <a:solidFill>
+            <a:srgbClr val="FFFFFF">
+              <a:shade val="85000"/>
+            </a:srgbClr>
+          </a:solidFill>
+          <a:ln w="88900" cap="sq">
+            <a:solidFill>
+              <a:srgbClr val="FFFFFF"/>
+            </a:solidFill>
+            <a:miter lim="800000"/>
+          </a:ln>
+          <a:effectLst>
+            <a:outerShdw blurRad="55000" dist="18000" dir="5400000" algn="tl" rotWithShape="0">
+              <a:srgbClr val="000000">
+                <a:alpha val="40000"/>
+              </a:srgbClr>
+            </a:outerShdw>
+          </a:effectLst>
+          <a:scene3d>
+            <a:camera prst="orthographicFront"/>
+            <a:lightRig rig="twoPt" dir="t">
+              <a:rot lat="0" lon="0" rev="7200000"/>
+            </a:lightRig>
+          </a:scene3d>
+          <a:sp3d>
+            <a:bevelT w="25400" h="19050"/>
+            <a:contourClr>
+              <a:srgbClr val="FFFFFF"/>
+            </a:contourClr>
+          </a:sp3d>
         </p:spPr>
       </p:pic>
     </p:spTree>
